--- a/analysis/results/AHTS/post_proc.pptx
+++ b/analysis/results/AHTS/post_proc.pptx
@@ -3688,7 +3688,7 @@
         <p:spPr>
           <a:xfrm>
             <a:off x="0" y="566928"/>
-            <a:ext cx="12188952" cy="5037527"/>
+            <a:ext cx="12188952" cy="4984778"/>
           </a:xfrm>
           <a:prstGeom prst="rect">
             <a:avLst/>
